--- a/Capstone 2 Milestone Presentation.pptx
+++ b/Capstone 2 Milestone Presentation.pptx
@@ -108,6 +108,11 @@
       </a:defRPr>
     </a:lvl9pPr>
   </p:defaultTextStyle>
+  <p:extLst>
+    <p:ext uri="{EFAFB233-063F-42B5-8137-9DF3F51BA10A}">
+      <p15:sldGuideLst xmlns:p15="http://schemas.microsoft.com/office/powerpoint/2012/main"/>
+    </p:ext>
+  </p:extLst>
 </p:presentation>
 </file>
 
@@ -258,7 +263,7 @@
           <a:p>
             <a:fld id="{A8934495-FA0E-4AB2-AFA6-B57EC2B5DB46}" type="datetimeFigureOut">
               <a:rPr lang="en-US" smtClean="0"/>
-              <a:t>3/23/2020</a:t>
+              <a:t>3/25/2020</a:t>
             </a:fld>
             <a:endParaRPr lang="en-US"/>
           </a:p>
@@ -456,7 +461,7 @@
           <a:p>
             <a:fld id="{A8934495-FA0E-4AB2-AFA6-B57EC2B5DB46}" type="datetimeFigureOut">
               <a:rPr lang="en-US" smtClean="0"/>
-              <a:t>3/23/2020</a:t>
+              <a:t>3/25/2020</a:t>
             </a:fld>
             <a:endParaRPr lang="en-US"/>
           </a:p>
@@ -664,7 +669,7 @@
           <a:p>
             <a:fld id="{A8934495-FA0E-4AB2-AFA6-B57EC2B5DB46}" type="datetimeFigureOut">
               <a:rPr lang="en-US" smtClean="0"/>
-              <a:t>3/23/2020</a:t>
+              <a:t>3/25/2020</a:t>
             </a:fld>
             <a:endParaRPr lang="en-US"/>
           </a:p>
@@ -862,7 +867,7 @@
           <a:p>
             <a:fld id="{A8934495-FA0E-4AB2-AFA6-B57EC2B5DB46}" type="datetimeFigureOut">
               <a:rPr lang="en-US" smtClean="0"/>
-              <a:t>3/23/2020</a:t>
+              <a:t>3/25/2020</a:t>
             </a:fld>
             <a:endParaRPr lang="en-US"/>
           </a:p>
@@ -1137,7 +1142,7 @@
           <a:p>
             <a:fld id="{A8934495-FA0E-4AB2-AFA6-B57EC2B5DB46}" type="datetimeFigureOut">
               <a:rPr lang="en-US" smtClean="0"/>
-              <a:t>3/23/2020</a:t>
+              <a:t>3/25/2020</a:t>
             </a:fld>
             <a:endParaRPr lang="en-US"/>
           </a:p>
@@ -1402,7 +1407,7 @@
           <a:p>
             <a:fld id="{A8934495-FA0E-4AB2-AFA6-B57EC2B5DB46}" type="datetimeFigureOut">
               <a:rPr lang="en-US" smtClean="0"/>
-              <a:t>3/23/2020</a:t>
+              <a:t>3/25/2020</a:t>
             </a:fld>
             <a:endParaRPr lang="en-US"/>
           </a:p>
@@ -1814,7 +1819,7 @@
           <a:p>
             <a:fld id="{A8934495-FA0E-4AB2-AFA6-B57EC2B5DB46}" type="datetimeFigureOut">
               <a:rPr lang="en-US" smtClean="0"/>
-              <a:t>3/23/2020</a:t>
+              <a:t>3/25/2020</a:t>
             </a:fld>
             <a:endParaRPr lang="en-US"/>
           </a:p>
@@ -1955,7 +1960,7 @@
           <a:p>
             <a:fld id="{A8934495-FA0E-4AB2-AFA6-B57EC2B5DB46}" type="datetimeFigureOut">
               <a:rPr lang="en-US" smtClean="0"/>
-              <a:t>3/23/2020</a:t>
+              <a:t>3/25/2020</a:t>
             </a:fld>
             <a:endParaRPr lang="en-US"/>
           </a:p>
@@ -2068,7 +2073,7 @@
           <a:p>
             <a:fld id="{A8934495-FA0E-4AB2-AFA6-B57EC2B5DB46}" type="datetimeFigureOut">
               <a:rPr lang="en-US" smtClean="0"/>
-              <a:t>3/23/2020</a:t>
+              <a:t>3/25/2020</a:t>
             </a:fld>
             <a:endParaRPr lang="en-US"/>
           </a:p>
@@ -2379,7 +2384,7 @@
           <a:p>
             <a:fld id="{A8934495-FA0E-4AB2-AFA6-B57EC2B5DB46}" type="datetimeFigureOut">
               <a:rPr lang="en-US" smtClean="0"/>
-              <a:t>3/23/2020</a:t>
+              <a:t>3/25/2020</a:t>
             </a:fld>
             <a:endParaRPr lang="en-US"/>
           </a:p>
@@ -2667,7 +2672,7 @@
           <a:p>
             <a:fld id="{A8934495-FA0E-4AB2-AFA6-B57EC2B5DB46}" type="datetimeFigureOut">
               <a:rPr lang="en-US" smtClean="0"/>
-              <a:t>3/23/2020</a:t>
+              <a:t>3/25/2020</a:t>
             </a:fld>
             <a:endParaRPr lang="en-US"/>
           </a:p>
@@ -2908,7 +2913,7 @@
           <a:p>
             <a:fld id="{A8934495-FA0E-4AB2-AFA6-B57EC2B5DB46}" type="datetimeFigureOut">
               <a:rPr lang="en-US" smtClean="0"/>
-              <a:t>3/23/2020</a:t>
+              <a:t>3/25/2020</a:t>
             </a:fld>
             <a:endParaRPr lang="en-US"/>
           </a:p>
@@ -3823,43 +3828,93 @@
           </a:p>
         </p:txBody>
       </p:sp>
-      <p:sp>
-        <p:nvSpPr>
-          <p:cNvPr id="3" name="Content Placeholder 2">
-            <a:extLst>
-              <a:ext uri="{FF2B5EF4-FFF2-40B4-BE49-F238E27FC236}">
-                <a16:creationId xmlns:a16="http://schemas.microsoft.com/office/drawing/2014/main" id="{26C62C31-A17E-4883-B766-AAF420493726}"/>
-              </a:ext>
-            </a:extLst>
-          </p:cNvPr>
-          <p:cNvSpPr>
-            <a:spLocks noGrp="1"/>
-          </p:cNvSpPr>
+      <p:pic>
+        <p:nvPicPr>
+          <p:cNvPr id="6" name="Content Placeholder 5" descr="A close up of a map&#10;&#10;Description automatically generated">
+            <a:extLst>
+              <a:ext uri="{FF2B5EF4-FFF2-40B4-BE49-F238E27FC236}">
+                <a16:creationId xmlns:a16="http://schemas.microsoft.com/office/drawing/2014/main" id="{83CAE2A7-0EDE-43F6-B100-5B1D5A24332F}"/>
+              </a:ext>
+            </a:extLst>
+          </p:cNvPr>
+          <p:cNvPicPr>
+            <a:picLocks noGrp="1" noChangeAspect="1"/>
+          </p:cNvPicPr>
           <p:nvPr>
             <p:ph idx="1"/>
           </p:nvPr>
-        </p:nvSpPr>
-        <p:spPr/>
-        <p:txBody>
-          <a:bodyPr/>
-          <a:lstStyle/>
-          <a:p>
+        </p:nvPicPr>
+        <p:blipFill>
+          <a:blip r:embed="rId2">
+            <a:extLst>
+              <a:ext uri="{28A0092B-C50C-407E-A947-70E740481C1C}">
+                <a14:useLocalDpi xmlns:a14="http://schemas.microsoft.com/office/drawing/2010/main" val="0"/>
+              </a:ext>
+            </a:extLst>
+          </a:blip>
+          <a:stretch>
+            <a:fillRect/>
+          </a:stretch>
+        </p:blipFill>
+        <p:spPr>
+          <a:xfrm>
+            <a:off x="5619976" y="987425"/>
+            <a:ext cx="5298623" cy="4873625"/>
+          </a:xfrm>
+        </p:spPr>
+      </p:pic>
+      <p:sp>
+        <p:nvSpPr>
+          <p:cNvPr id="4" name="Text Placeholder 3">
+            <a:extLst>
+              <a:ext uri="{FF2B5EF4-FFF2-40B4-BE49-F238E27FC236}">
+                <a16:creationId xmlns:a16="http://schemas.microsoft.com/office/drawing/2014/main" id="{3CF2548F-B059-4F2A-9E9B-86A799BB703A}"/>
+              </a:ext>
+            </a:extLst>
+          </p:cNvPr>
+          <p:cNvSpPr>
+            <a:spLocks noGrp="1"/>
+          </p:cNvSpPr>
+          <p:nvPr>
+            <p:ph type="body" sz="half" idx="2"/>
+          </p:nvPr>
+        </p:nvSpPr>
+        <p:spPr/>
+        <p:txBody>
+          <a:bodyPr/>
+          <a:lstStyle/>
+          <a:p>
+            <a:pPr marL="285750" indent="-285750">
+              <a:buFont typeface="Arial" panose="020B0604020202020204" pitchFamily="34" charset="0"/>
+              <a:buChar char="•"/>
+            </a:pPr>
             <a:r>
               <a:rPr lang="en-US" dirty="0"/>
               <a:t>When the user selects a cuisine type and target age range, the five important values are summed and multiplied by 20 to give a final metric that ranges from 0-100.</a:t>
             </a:r>
           </a:p>
           <a:p>
+            <a:pPr marL="285750" indent="-285750">
+              <a:buFont typeface="Arial" panose="020B0604020202020204" pitchFamily="34" charset="0"/>
+              <a:buChar char="•"/>
+            </a:pPr>
             <a:r>
               <a:rPr lang="en-US" dirty="0"/>
               <a:t>A choropleth map is then generated using folium in which the brightness of each zip code corresponds to the value of the final metric</a:t>
             </a:r>
           </a:p>
           <a:p>
+            <a:pPr marL="285750" indent="-285750">
+              <a:buFont typeface="Arial" panose="020B0604020202020204" pitchFamily="34" charset="0"/>
+              <a:buChar char="•"/>
+            </a:pPr>
             <a:r>
               <a:rPr lang="en-US" dirty="0"/>
               <a:t>Additionally the user receives a list of the top 10 zip codes with all of the relevant data for each zip code.</a:t>
             </a:r>
+          </a:p>
+          <a:p>
+            <a:endParaRPr lang="en-US" dirty="0"/>
           </a:p>
         </p:txBody>
       </p:sp>
